--- a/Later/JavaIO/JavaIO_121/Java-Delete_files.pptx
+++ b/Later/JavaIO/JavaIO_121/Java-Delete_files.pptx
@@ -3652,8 +3652,8 @@
         </p:nvSpPr>
         <p:spPr>
           <a:xfrm>
-            <a:off x="3657600" y="35739"/>
-            <a:ext cx="1371600" cy="276999"/>
+            <a:off x="3048000" y="35739"/>
+            <a:ext cx="2971800" cy="276999"/>
           </a:xfrm>
           <a:prstGeom prst="rect">
             <a:avLst/>
@@ -3682,11 +3682,11 @@
             <a:pPr algn="ctr"/>
             <a:r>
               <a:rPr lang="en-US" sz="1200" dirty="0"/>
-              <a:t>Java </a:t>
+              <a:t>Java Delete files with certain extension </a:t>
             </a:r>
             <a:r>
               <a:rPr lang="en-US" sz="1200" dirty="0" smtClean="0"/>
-              <a:t>delete files</a:t>
+              <a:t>only</a:t>
             </a:r>
             <a:endParaRPr lang="en-US" sz="1200" dirty="0"/>
           </a:p>
